--- a/training-cards/music moves/Tomatoes (TOM)/ger/apprentice/ger_TOM_15_taeglich_besser_MM_A.pptx
+++ b/training-cards/music moves/Tomatoes (TOM)/ger/apprentice/ger_TOM_15_taeglich_besser_MM_A.pptx
@@ -105,6 +105,22 @@
       </a:defRPr>
     </a:lvl9pPr>
   </p:defaultTextStyle>
+  <p:extLst>
+    <p:ext uri="{EFAFB233-063F-42B5-8137-9DF3F51BA10A}">
+      <p15:sldGuideLst xmlns:p15="http://schemas.microsoft.com/office/powerpoint/2012/main">
+        <p15:guide id="1" orient="horz" pos="677">
+          <p15:clr>
+            <a:srgbClr val="A4A3A4"/>
+          </p15:clr>
+        </p15:guide>
+        <p15:guide id="2" pos="735">
+          <p15:clr>
+            <a:srgbClr val="A4A3A4"/>
+          </p15:clr>
+        </p15:guide>
+      </p15:sldGuideLst>
+    </p:ext>
+  </p:extLst>
 </p:presentation>
 </file>
 
@@ -150,7 +166,7 @@
           </a:lstStyle>
           <a:p>
             <a:r>
-              <a:rPr lang="de-DE" smtClean="0"/>
+              <a:rPr lang="de-DE"/>
               <a:t>Mastertitelformat bearbeiten</a:t>
             </a:r>
             <a:endParaRPr lang="de-DE" dirty="0"/>
@@ -271,7 +287,7 @@
           </a:lstStyle>
           <a:p>
             <a:r>
-              <a:rPr lang="de-DE" smtClean="0"/>
+              <a:rPr lang="de-DE"/>
               <a:t>Master-Untertitelformat bearbeiten</a:t>
             </a:r>
             <a:endParaRPr lang="de-DE" dirty="0"/>
@@ -305,35 +321,35 @@
           <a:p>
             <a:pPr lvl="0"/>
             <a:r>
-              <a:rPr lang="de-DE" smtClean="0"/>
+              <a:rPr lang="de-DE"/>
               <a:t>Mastertextformat bearbeiten</a:t>
             </a:r>
           </a:p>
           <a:p>
             <a:pPr lvl="1"/>
             <a:r>
-              <a:rPr lang="de-DE" smtClean="0"/>
+              <a:rPr lang="de-DE"/>
               <a:t>Zweite Ebene</a:t>
             </a:r>
           </a:p>
           <a:p>
             <a:pPr lvl="2"/>
             <a:r>
-              <a:rPr lang="de-DE" smtClean="0"/>
+              <a:rPr lang="de-DE"/>
               <a:t>Dritte Ebene</a:t>
             </a:r>
           </a:p>
           <a:p>
             <a:pPr lvl="3"/>
             <a:r>
-              <a:rPr lang="de-DE" smtClean="0"/>
+              <a:rPr lang="de-DE"/>
               <a:t>Vierte Ebene</a:t>
             </a:r>
           </a:p>
           <a:p>
             <a:pPr lvl="4"/>
             <a:r>
-              <a:rPr lang="de-DE" smtClean="0"/>
+              <a:rPr lang="de-DE"/>
               <a:t>Fünfte Ebene</a:t>
             </a:r>
             <a:endParaRPr lang="de-DE" dirty="0"/>
@@ -381,7 +397,7 @@
           <a:p>
             <a:pPr algn="l"/>
             <a:r>
-              <a:rPr lang="de-DE" sz="1000" dirty="0" smtClean="0">
+              <a:rPr lang="de-DE" sz="1000" dirty="0">
                 <a:solidFill>
                   <a:srgbClr val="5D5E5F"/>
                 </a:solidFill>
@@ -391,7 +407,7 @@
               <a:t>REGINA</a:t>
             </a:r>
             <a:r>
-              <a:rPr lang="de-DE" sz="1000" baseline="0" dirty="0" smtClean="0">
+              <a:rPr lang="de-DE" sz="1000" baseline="0" dirty="0">
                 <a:solidFill>
                   <a:srgbClr val="5D5E5F"/>
                 </a:solidFill>
@@ -401,7 +417,7 @@
               <a:t> BRANDHUBER</a:t>
             </a:r>
             <a:r>
-              <a:rPr lang="de-DE" sz="1000" dirty="0" smtClean="0">
+              <a:rPr lang="de-DE" sz="1000" dirty="0">
                 <a:solidFill>
                   <a:srgbClr val="5D5E5F"/>
                 </a:solidFill>
@@ -410,13 +426,6 @@
               </a:rPr>
               <a:t> </a:t>
             </a:r>
-            <a:endParaRPr lang="de-DE" sz="1000" dirty="0">
-              <a:solidFill>
-                <a:srgbClr val="5D5E5F"/>
-              </a:solidFill>
-              <a:latin typeface="Avenir Book"/>
-              <a:cs typeface="Avenir Book"/>
-            </a:endParaRPr>
           </a:p>
         </p:txBody>
       </p:sp>
@@ -529,35 +538,35 @@
           <a:p>
             <a:pPr lvl="0"/>
             <a:r>
-              <a:rPr lang="de-DE" smtClean="0"/>
+              <a:rPr lang="de-DE"/>
               <a:t>Mastertextformat bearbeiten</a:t>
             </a:r>
           </a:p>
           <a:p>
             <a:pPr lvl="1"/>
             <a:r>
-              <a:rPr lang="de-DE" smtClean="0"/>
+              <a:rPr lang="de-DE"/>
               <a:t>Zweite Ebene</a:t>
             </a:r>
           </a:p>
           <a:p>
             <a:pPr lvl="2"/>
             <a:r>
-              <a:rPr lang="de-DE" smtClean="0"/>
+              <a:rPr lang="de-DE"/>
               <a:t>Dritte Ebene</a:t>
             </a:r>
           </a:p>
           <a:p>
             <a:pPr lvl="3"/>
             <a:r>
-              <a:rPr lang="de-DE" smtClean="0"/>
+              <a:rPr lang="de-DE"/>
               <a:t>Vierte Ebene</a:t>
             </a:r>
           </a:p>
           <a:p>
             <a:pPr lvl="4"/>
             <a:r>
-              <a:rPr lang="de-DE" smtClean="0"/>
+              <a:rPr lang="de-DE"/>
               <a:t>Fünfte Ebene</a:t>
             </a:r>
             <a:endParaRPr lang="de-DE" dirty="0"/>
@@ -587,7 +596,7 @@
           <a:lstStyle/>
           <a:p>
             <a:r>
-              <a:rPr lang="de-DE" sz="2400" dirty="0" smtClean="0">
+              <a:rPr lang="de-DE" sz="2400" dirty="0">
                 <a:solidFill>
                   <a:srgbClr val="7E006B"/>
                 </a:solidFill>
@@ -597,7 +606,7 @@
               <a:t>TR	AININGS</a:t>
             </a:r>
             <a:r>
-              <a:rPr lang="de-DE" sz="2400" dirty="0" smtClean="0">
+              <a:rPr lang="de-DE" sz="2400" dirty="0">
                 <a:solidFill>
                   <a:srgbClr val="7E006B"/>
                 </a:solidFill>
@@ -692,10 +701,9 @@
           <a:lstStyle/>
           <a:p>
             <a:r>
-              <a:rPr lang="de-DE" smtClean="0"/>
+              <a:rPr lang="de-DE"/>
               <a:t>Mastertitelformat bearbeiten</a:t>
             </a:r>
-            <a:endParaRPr lang="de-DE"/>
           </a:p>
         </p:txBody>
       </p:sp>
@@ -716,7 +724,7 @@
           <a:p>
             <a:fld id="{FF5B2BAF-DF38-0A48-A798-0C06E514FD52}" type="datetimeFigureOut">
               <a:rPr lang="de-DE" smtClean="0"/>
-              <a:t>12.08.15</a:t>
+              <a:t>27.07.23</a:t>
             </a:fld>
             <a:endParaRPr lang="de-DE" dirty="0"/>
           </a:p>
@@ -827,10 +835,9 @@
           <a:p>
             <a:pPr marL="0" lvl="0" algn="l"/>
             <a:r>
-              <a:rPr lang="de-DE" dirty="0" smtClean="0"/>
+              <a:rPr lang="de-DE" dirty="0"/>
               <a:t>Überschrift bearbeiten </a:t>
             </a:r>
-            <a:endParaRPr lang="de-DE" dirty="0"/>
           </a:p>
         </p:txBody>
       </p:sp>
@@ -861,38 +868,37 @@
           <a:p>
             <a:pPr lvl="0"/>
             <a:r>
-              <a:rPr lang="de-DE" dirty="0" smtClean="0"/>
+              <a:rPr lang="de-DE" dirty="0"/>
               <a:t>Mastertextformat bearbeiten</a:t>
             </a:r>
           </a:p>
           <a:p>
             <a:pPr lvl="1"/>
             <a:r>
-              <a:rPr lang="de-DE" dirty="0" smtClean="0"/>
+              <a:rPr lang="de-DE" dirty="0"/>
               <a:t>Zweite Ebene</a:t>
             </a:r>
           </a:p>
           <a:p>
             <a:pPr lvl="2"/>
             <a:r>
-              <a:rPr lang="de-DE" dirty="0" smtClean="0"/>
+              <a:rPr lang="de-DE" dirty="0"/>
               <a:t>Dritte Ebene</a:t>
             </a:r>
           </a:p>
           <a:p>
             <a:pPr lvl="3"/>
             <a:r>
-              <a:rPr lang="de-DE" dirty="0" smtClean="0"/>
+              <a:rPr lang="de-DE" dirty="0"/>
               <a:t>Vierte Ebene</a:t>
             </a:r>
           </a:p>
           <a:p>
             <a:pPr lvl="4"/>
             <a:r>
-              <a:rPr lang="de-DE" dirty="0" smtClean="0"/>
+              <a:rPr lang="de-DE" dirty="0"/>
               <a:t>Fünfte Ebene</a:t>
             </a:r>
-            <a:endParaRPr lang="de-DE" dirty="0"/>
           </a:p>
         </p:txBody>
       </p:sp>
@@ -931,7 +937,7 @@
           <a:p>
             <a:fld id="{FF5B2BAF-DF38-0A48-A798-0C06E514FD52}" type="datetimeFigureOut">
               <a:rPr lang="de-DE" smtClean="0"/>
-              <a:t>12.08.15</a:t>
+              <a:t>27.07.23</a:t>
             </a:fld>
             <a:endParaRPr lang="de-DE" dirty="0"/>
           </a:p>
@@ -1165,7 +1171,7 @@
           <a:lstStyle/>
           <a:p>
             <a:r>
-              <a:rPr lang="de-DE" sz="1050" b="1" dirty="0" smtClean="0">
+              <a:rPr lang="de-DE" sz="1050" b="1" dirty="0">
                 <a:solidFill>
                   <a:schemeClr val="bg1"/>
                 </a:solidFill>
@@ -1175,7 +1181,7 @@
               <a:t>TRAININGSKARTE</a:t>
             </a:r>
             <a:r>
-              <a:rPr lang="de-DE" sz="1050" dirty="0" smtClean="0">
+              <a:rPr lang="de-DE" sz="1050" dirty="0">
                 <a:solidFill>
                   <a:schemeClr val="bg1"/>
                 </a:solidFill>
@@ -1185,7 +1191,7 @@
               <a:t> </a:t>
             </a:r>
             <a:r>
-              <a:rPr lang="de-DE" sz="1050" b="1" dirty="0" smtClean="0">
+              <a:rPr lang="de-DE" sz="1050" b="1" dirty="0">
                 <a:solidFill>
                   <a:schemeClr val="bg1"/>
                 </a:solidFill>
@@ -1194,13 +1200,6 @@
               </a:rPr>
               <a:t>TOM 15</a:t>
             </a:r>
-            <a:endParaRPr lang="de-DE" sz="1050" b="1" dirty="0">
-              <a:solidFill>
-                <a:schemeClr val="bg1"/>
-              </a:solidFill>
-              <a:latin typeface="Avenir Heavy"/>
-              <a:cs typeface="Avenir Heavy"/>
-            </a:endParaRPr>
           </a:p>
         </p:txBody>
       </p:sp>
@@ -1578,32 +1577,31 @@
           <a:lstStyle/>
           <a:p>
             <a:r>
-              <a:rPr lang="de-DE" sz="1100" dirty="0" smtClean="0"/>
+              <a:rPr lang="de-DE" sz="1100" dirty="0"/>
               <a:t>Damit Deine Tagespläne im Team ankommen, musst Du die Brücke bilden und das Gespräch darüber suchen.</a:t>
             </a:r>
           </a:p>
           <a:p>
             <a:r>
-              <a:rPr lang="de-DE" sz="1100" dirty="0" smtClean="0"/>
+              <a:rPr lang="de-DE" sz="1100" dirty="0"/>
               <a:t>Feedback einzuholen ist wie ein kleines Schatzkästchen von sich selbst zu öffnen. </a:t>
             </a:r>
-            <a:endParaRPr lang="de-DE" sz="1100" dirty="0"/>
-          </a:p>
-          <a:p>
-            <a:r>
-              <a:rPr lang="de-DE" sz="1100" dirty="0" smtClean="0"/>
+          </a:p>
+          <a:p>
+            <a:r>
+              <a:rPr lang="de-DE" sz="1100" dirty="0"/>
               <a:t>Sich den Gedanken und Meinungen anderer zu stellen, kann die eigene Perspektive sehr bereichern.</a:t>
             </a:r>
           </a:p>
           <a:p>
             <a:r>
-              <a:rPr lang="de-DE" sz="1100" dirty="0" smtClean="0"/>
+              <a:rPr lang="de-DE" sz="1100" dirty="0"/>
               <a:t>Auch dem Team hilft es sich eine Meinung zu bilden, wenn es von Dir gefragt wird.</a:t>
             </a:r>
           </a:p>
           <a:p>
             <a:r>
-              <a:rPr lang="de-DE" sz="1100" dirty="0" smtClean="0"/>
+              <a:rPr lang="de-DE" sz="1100" dirty="0"/>
               <a:t>Gemeinsam könnt Ihr herausfinden, was für Euch gute Tagespläne ausmachen, was Ihr toll findet oder nicht verstehen könnt.</a:t>
             </a:r>
           </a:p>
@@ -1636,20 +1634,16 @@
           <a:lstStyle/>
           <a:p>
             <a:r>
-              <a:rPr lang="de-DE" dirty="0" smtClean="0"/>
+              <a:rPr lang="de-DE" dirty="0"/>
               <a:t>TÄGLICH </a:t>
             </a:r>
             <a:r>
-              <a:rPr lang="de-DE" dirty="0" smtClean="0">
+              <a:rPr lang="de-DE" dirty="0">
                 <a:latin typeface="Avenir Book"/>
                 <a:cs typeface="Avenir Book"/>
               </a:rPr>
               <a:t>BESSER</a:t>
             </a:r>
-            <a:endParaRPr lang="de-DE" dirty="0">
-              <a:latin typeface="Avenir Book"/>
-              <a:cs typeface="Avenir Book"/>
-            </a:endParaRPr>
           </a:p>
         </p:txBody>
       </p:sp>
@@ -1701,58 +1695,365 @@
           <a:lstStyle/>
           <a:p>
             <a:r>
-              <a:rPr lang="de-DE" sz="1100" dirty="0" smtClean="0"/>
+              <a:rPr lang="de-DE" sz="1100" dirty="0"/>
               <a:t>Mache in 2 Wochen 8 Tomatentagespläne (siehe TOM 10). Nimm dabei nicht die Tagespläne, die Du für andere Zertifizierungen angefertigt hast, sondern beginne wieder neu.</a:t>
             </a:r>
           </a:p>
           <a:p>
             <a:r>
-              <a:rPr lang="de-DE" sz="1100" dirty="0" smtClean="0"/>
+              <a:rPr lang="de-DE" sz="1100" dirty="0"/>
               <a:t>Lass Dir jeden Tagesplan von zwei Deiner Kollegen mit 1-5 Sternen bewerten. Die Sterne sollen ein Bauchgefühl wiederspiegeln, das Deine Kollegen mit dem Tagesplan verbinden.</a:t>
             </a:r>
           </a:p>
           <a:p>
             <a:r>
-              <a:rPr lang="de-DE" sz="1100" dirty="0" smtClean="0"/>
+              <a:rPr lang="de-DE" sz="1100" dirty="0"/>
               <a:t>Frag Deine Kollegen auch, was sie gut oder weniger gut finden und notiere zu jedem Tagesplan, was Deine Kollegen sagen oder lass sie es selbst dazuschreiben.</a:t>
             </a:r>
           </a:p>
           <a:p>
             <a:r>
-              <a:rPr lang="de-DE" sz="1100" dirty="0" smtClean="0"/>
+              <a:rPr lang="de-DE" sz="1100" dirty="0"/>
               <a:t>Lass dich von den neuen Perspektiven, die Du bekommst inspirieren und </a:t>
             </a:r>
             <a:br>
-              <a:rPr lang="de-DE" sz="1100" dirty="0" smtClean="0"/>
+              <a:rPr lang="de-DE" sz="1100" dirty="0"/>
             </a:br>
             <a:r>
-              <a:rPr lang="de-DE" sz="1100" dirty="0" smtClean="0"/>
+              <a:rPr lang="de-DE" sz="1100" dirty="0"/>
               <a:t>arbeite es gleich wieder in Deine nächsten Tagespläne ein.</a:t>
             </a:r>
           </a:p>
           <a:p>
             <a:r>
-              <a:rPr lang="de-DE" sz="1100" dirty="0" smtClean="0"/>
+              <a:rPr lang="de-DE" sz="1100" dirty="0"/>
               <a:t>Schön wäre, wenn Du innerhalb der beiden Wochen feststellen kannst, </a:t>
             </a:r>
             <a:br>
-              <a:rPr lang="de-DE" sz="1100" dirty="0" smtClean="0"/>
+              <a:rPr lang="de-DE" sz="1100" dirty="0"/>
             </a:br>
             <a:r>
-              <a:rPr lang="de-DE" sz="1100" dirty="0" smtClean="0"/>
+              <a:rPr lang="de-DE" sz="1100" dirty="0"/>
               <a:t>dass Deine Sternebewertungen immer besser werden, weil Du das </a:t>
             </a:r>
             <a:br>
-              <a:rPr lang="de-DE" sz="1100" dirty="0" smtClean="0"/>
+              <a:rPr lang="de-DE" sz="1100" dirty="0"/>
             </a:br>
             <a:r>
-              <a:rPr lang="de-DE" sz="1100" dirty="0" smtClean="0"/>
+              <a:rPr lang="de-DE" sz="1100" dirty="0"/>
               <a:t>Feedback Deines Teams täglich einarbeitest.</a:t>
             </a:r>
-            <a:endParaRPr lang="de-DE" sz="1100" dirty="0"/>
           </a:p>
         </p:txBody>
       </p:sp>
+      <p:sp>
+        <p:nvSpPr>
+          <p:cNvPr id="3" name="Shape 7">
+            <a:extLst>
+              <a:ext uri="{FF2B5EF4-FFF2-40B4-BE49-F238E27FC236}">
+                <a16:creationId xmlns:a16="http://schemas.microsoft.com/office/drawing/2014/main" id="{8AC39366-0765-B045-D567-11B4A81149B9}"/>
+              </a:ext>
+            </a:extLst>
+          </p:cNvPr>
+          <p:cNvSpPr/>
+          <p:nvPr/>
+        </p:nvSpPr>
+        <p:spPr>
+          <a:xfrm>
+            <a:off x="971550" y="4689585"/>
+            <a:ext cx="4691860" cy="461661"/>
+          </a:xfrm>
+          <a:prstGeom prst="rect">
+            <a:avLst/>
+          </a:prstGeom>
+          <a:ln w="12700">
+            <a:miter lim="400000"/>
+          </a:ln>
+          <a:extLst>
+            <a:ext uri="{C572A759-6A51-4108-AA02-DFA0A04FC94B}">
+              <ma14:wrappingTextBoxFlag xmlns="" xmlns:ma14="http://schemas.microsoft.com/office/mac/drawingml/2011/main" val="1"/>
+            </a:ext>
+          </a:extLst>
+        </p:spPr>
+        <p:txBody>
+          <a:bodyPr wrap="square" lIns="45718" tIns="45718" rIns="45718" bIns="45718">
+            <a:spAutoFit/>
+          </a:bodyPr>
+          <a:lstStyle/>
+          <a:p>
+            <a:pPr lvl="0" algn="ctr">
+              <a:defRPr sz="1800"/>
+            </a:pPr>
+            <a:r>
+              <a:rPr lang="de-DE" sz="800" b="0" i="0" u="none" strike="noStrike" dirty="0" err="1">
+                <a:solidFill>
+                  <a:schemeClr val="tx1">
+                    <a:lumMod val="65000"/>
+                    <a:lumOff val="35000"/>
+                  </a:schemeClr>
+                </a:solidFill>
+                <a:effectLst/>
+                <a:latin typeface="Avenir Book" panose="02000503020000020003" pitchFamily="2" charset="0"/>
+              </a:rPr>
+              <a:t>music</a:t>
+            </a:r>
+            <a:r>
+              <a:rPr lang="de-DE" sz="800" b="0" i="0" u="none" strike="noStrike" dirty="0">
+                <a:solidFill>
+                  <a:schemeClr val="tx1">
+                    <a:lumMod val="65000"/>
+                    <a:lumOff val="35000"/>
+                  </a:schemeClr>
+                </a:solidFill>
+                <a:effectLst/>
+                <a:latin typeface="Avenir Book" panose="02000503020000020003" pitchFamily="2" charset="0"/>
+              </a:rPr>
+              <a:t> </a:t>
+            </a:r>
+            <a:r>
+              <a:rPr lang="de-DE" sz="800" b="0" i="0" u="none" strike="noStrike" dirty="0" err="1">
+                <a:solidFill>
+                  <a:schemeClr val="tx1">
+                    <a:lumMod val="65000"/>
+                    <a:lumOff val="35000"/>
+                  </a:schemeClr>
+                </a:solidFill>
+                <a:effectLst/>
+                <a:latin typeface="Avenir Book" panose="02000503020000020003" pitchFamily="2" charset="0"/>
+              </a:rPr>
+              <a:t>moves</a:t>
+            </a:r>
+            <a:r>
+              <a:rPr lang="de-DE" sz="800" b="0" i="0" u="none" strike="noStrike" dirty="0">
+                <a:solidFill>
+                  <a:schemeClr val="tx1">
+                    <a:lumMod val="65000"/>
+                    <a:lumOff val="35000"/>
+                  </a:schemeClr>
+                </a:solidFill>
+                <a:effectLst/>
+                <a:latin typeface="Avenir Book" panose="02000503020000020003" pitchFamily="2" charset="0"/>
+              </a:rPr>
+              <a:t>-Trainingskarten von Regina Brandhuber sind lizenziert unter einer Creative Commons </a:t>
+            </a:r>
+          </a:p>
+          <a:p>
+            <a:pPr lvl="0" algn="ctr">
+              <a:defRPr sz="1800"/>
+            </a:pPr>
+            <a:r>
+              <a:rPr lang="de-DE" sz="800" b="0" i="0" u="none" strike="noStrike" dirty="0">
+                <a:solidFill>
+                  <a:schemeClr val="tx1">
+                    <a:lumMod val="65000"/>
+                    <a:lumOff val="35000"/>
+                  </a:schemeClr>
+                </a:solidFill>
+                <a:effectLst/>
+                <a:latin typeface="Avenir Book" panose="02000503020000020003" pitchFamily="2" charset="0"/>
+              </a:rPr>
+              <a:t>Namensnennung-Nicht kommerziell 4.0 International Lizenz.</a:t>
+            </a:r>
+          </a:p>
+          <a:p>
+            <a:pPr lvl="0" algn="ctr">
+              <a:defRPr sz="1800"/>
+            </a:pPr>
+            <a:r>
+              <a:rPr lang="de-DE" sz="800" dirty="0">
+                <a:solidFill>
+                  <a:schemeClr val="tx1">
+                    <a:lumMod val="65000"/>
+                    <a:lumOff val="35000"/>
+                  </a:schemeClr>
+                </a:solidFill>
+                <a:latin typeface="Avenir Book" panose="02000503020000020003" pitchFamily="2" charset="0"/>
+                <a:ea typeface="Calibri"/>
+                <a:cs typeface="Avenir Light"/>
+                <a:sym typeface="Calibri"/>
+              </a:rPr>
+              <a:t>Nachzulesen unter:</a:t>
+            </a:r>
+            <a:r>
+              <a:rPr sz="800" dirty="0">
+                <a:solidFill>
+                  <a:schemeClr val="tx1">
+                    <a:lumMod val="65000"/>
+                    <a:lumOff val="35000"/>
+                  </a:schemeClr>
+                </a:solidFill>
+                <a:latin typeface="Avenir Book" panose="02000503020000020003" pitchFamily="2" charset="0"/>
+                <a:ea typeface="Calibri"/>
+                <a:cs typeface="Avenir Light"/>
+                <a:sym typeface="Calibri"/>
+              </a:rPr>
+              <a:t> </a:t>
+            </a:r>
+            <a:r>
+              <a:rPr lang="de-DE" sz="800" dirty="0">
+                <a:solidFill>
+                  <a:schemeClr val="tx1">
+                    <a:lumMod val="65000"/>
+                    <a:lumOff val="35000"/>
+                  </a:schemeClr>
+                </a:solidFill>
+                <a:latin typeface="Avenir Book" panose="02000503020000020003" pitchFamily="2" charset="0"/>
+                <a:ea typeface="Calibri"/>
+                <a:cs typeface="Avenir Light"/>
+                <a:sym typeface="Calibri"/>
+              </a:rPr>
+              <a:t>https://</a:t>
+            </a:r>
+            <a:r>
+              <a:rPr lang="de-DE" sz="800" dirty="0" err="1">
+                <a:solidFill>
+                  <a:schemeClr val="tx1">
+                    <a:lumMod val="65000"/>
+                    <a:lumOff val="35000"/>
+                  </a:schemeClr>
+                </a:solidFill>
+                <a:latin typeface="Avenir Book" panose="02000503020000020003" pitchFamily="2" charset="0"/>
+                <a:ea typeface="Calibri"/>
+                <a:cs typeface="Avenir Light"/>
+                <a:sym typeface="Calibri"/>
+              </a:rPr>
+              <a:t>creativecommons.org</a:t>
+            </a:r>
+            <a:r>
+              <a:rPr lang="de-DE" sz="800" dirty="0">
+                <a:solidFill>
+                  <a:schemeClr val="tx1">
+                    <a:lumMod val="65000"/>
+                    <a:lumOff val="35000"/>
+                  </a:schemeClr>
+                </a:solidFill>
+                <a:latin typeface="Avenir Book" panose="02000503020000020003" pitchFamily="2" charset="0"/>
+                <a:ea typeface="Calibri"/>
+                <a:cs typeface="Avenir Light"/>
+                <a:sym typeface="Calibri"/>
+              </a:rPr>
+              <a:t>/</a:t>
+            </a:r>
+            <a:r>
+              <a:rPr lang="de-DE" sz="800" dirty="0" err="1">
+                <a:solidFill>
+                  <a:schemeClr val="tx1">
+                    <a:lumMod val="65000"/>
+                    <a:lumOff val="35000"/>
+                  </a:schemeClr>
+                </a:solidFill>
+                <a:latin typeface="Avenir Book" panose="02000503020000020003" pitchFamily="2" charset="0"/>
+                <a:ea typeface="Calibri"/>
+                <a:cs typeface="Avenir Light"/>
+                <a:sym typeface="Calibri"/>
+              </a:rPr>
+              <a:t>licenses</a:t>
+            </a:r>
+            <a:r>
+              <a:rPr lang="de-DE" sz="800" dirty="0">
+                <a:solidFill>
+                  <a:schemeClr val="tx1">
+                    <a:lumMod val="65000"/>
+                    <a:lumOff val="35000"/>
+                  </a:schemeClr>
+                </a:solidFill>
+                <a:latin typeface="Avenir Book" panose="02000503020000020003" pitchFamily="2" charset="0"/>
+                <a:ea typeface="Calibri"/>
+                <a:cs typeface="Avenir Light"/>
+                <a:sym typeface="Calibri"/>
+              </a:rPr>
+              <a:t>/</a:t>
+            </a:r>
+            <a:r>
+              <a:rPr lang="de-DE" sz="800" dirty="0" err="1">
+                <a:solidFill>
+                  <a:schemeClr val="tx1">
+                    <a:lumMod val="65000"/>
+                    <a:lumOff val="35000"/>
+                  </a:schemeClr>
+                </a:solidFill>
+                <a:latin typeface="Avenir Book" panose="02000503020000020003" pitchFamily="2" charset="0"/>
+                <a:ea typeface="Calibri"/>
+                <a:cs typeface="Avenir Light"/>
+                <a:sym typeface="Calibri"/>
+              </a:rPr>
+              <a:t>by-nc</a:t>
+            </a:r>
+            <a:r>
+              <a:rPr lang="de-DE" sz="800" dirty="0">
+                <a:solidFill>
+                  <a:schemeClr val="tx1">
+                    <a:lumMod val="65000"/>
+                    <a:lumOff val="35000"/>
+                  </a:schemeClr>
+                </a:solidFill>
+                <a:latin typeface="Avenir Book" panose="02000503020000020003" pitchFamily="2" charset="0"/>
+                <a:ea typeface="Calibri"/>
+                <a:cs typeface="Avenir Light"/>
+                <a:sym typeface="Calibri"/>
+              </a:rPr>
+              <a:t>/4.0/</a:t>
+            </a:r>
+            <a:r>
+              <a:rPr lang="de-DE" sz="800" dirty="0" err="1">
+                <a:solidFill>
+                  <a:schemeClr val="tx1">
+                    <a:lumMod val="65000"/>
+                    <a:lumOff val="35000"/>
+                  </a:schemeClr>
+                </a:solidFill>
+                <a:latin typeface="Avenir Book" panose="02000503020000020003" pitchFamily="2" charset="0"/>
+                <a:ea typeface="Calibri"/>
+                <a:cs typeface="Avenir Light"/>
+                <a:sym typeface="Calibri"/>
+              </a:rPr>
+              <a:t>deed.de</a:t>
+            </a:r>
+            <a:endParaRPr sz="800" dirty="0">
+              <a:solidFill>
+                <a:schemeClr val="tx1">
+                  <a:lumMod val="65000"/>
+                  <a:lumOff val="35000"/>
+                </a:schemeClr>
+              </a:solidFill>
+              <a:latin typeface="Avenir Book" panose="02000503020000020003" pitchFamily="2" charset="0"/>
+              <a:ea typeface="Calibri"/>
+              <a:cs typeface="Avenir Light"/>
+              <a:sym typeface="Calibri"/>
+            </a:endParaRPr>
+          </a:p>
+        </p:txBody>
+      </p:sp>
+      <p:pic>
+        <p:nvPicPr>
+          <p:cNvPr id="4" name="pasted-image.tif">
+            <a:extLst>
+              <a:ext uri="{FF2B5EF4-FFF2-40B4-BE49-F238E27FC236}">
+                <a16:creationId xmlns:a16="http://schemas.microsoft.com/office/drawing/2014/main" id="{AA5DFCA4-47E9-6254-22AA-B7C02DA9AF8B}"/>
+              </a:ext>
+            </a:extLst>
+          </p:cNvPr>
+          <p:cNvPicPr/>
+          <p:nvPr/>
+        </p:nvPicPr>
+        <p:blipFill rotWithShape="1">
+          <a:blip r:embed="rId2"/>
+          <a:srcRect r="24777" b="-3233"/>
+          <a:stretch/>
+        </p:blipFill>
+        <p:spPr>
+          <a:xfrm>
+            <a:off x="5724347" y="4733926"/>
+            <a:ext cx="1009828" cy="333374"/>
+          </a:xfrm>
+          <a:prstGeom prst="rect">
+            <a:avLst/>
+          </a:prstGeom>
+          <a:ln w="12700">
+            <a:miter lim="400000"/>
+          </a:ln>
+        </p:spPr>
+      </p:pic>
     </p:spTree>
     <p:extLst>
       <p:ext uri="{BB962C8B-B14F-4D97-AF65-F5344CB8AC3E}">

--- a/training-cards/music moves/Tomatoes (TOM)/ger/apprentice/ger_TOM_15_taeglich_besser_MM_A.pptx
+++ b/training-cards/music moves/Tomatoes (TOM)/ger/apprentice/ger_TOM_15_taeglich_besser_MM_A.pptx
@@ -724,7 +724,7 @@
           <a:p>
             <a:fld id="{FF5B2BAF-DF38-0A48-A798-0C06E514FD52}" type="datetimeFigureOut">
               <a:rPr lang="de-DE" smtClean="0"/>
-              <a:t>27.07.23</a:t>
+              <a:t>31.07.24</a:t>
             </a:fld>
             <a:endParaRPr lang="de-DE" dirty="0"/>
           </a:p>
@@ -937,7 +937,7 @@
           <a:p>
             <a:fld id="{FF5B2BAF-DF38-0A48-A798-0C06E514FD52}" type="datetimeFigureOut">
               <a:rPr lang="de-DE" smtClean="0"/>
-              <a:t>27.07.23</a:t>
+              <a:t>31.07.24</a:t>
             </a:fld>
             <a:endParaRPr lang="de-DE" dirty="0"/>
           </a:p>
@@ -1576,37 +1576,42 @@
           <a:bodyPr/>
           <a:lstStyle/>
           <a:p>
+            <a:pPr algn="just"/>
             <a:r>
               <a:rPr lang="de-DE" sz="1100" dirty="0"/>
               <a:t>Damit Deine Tagespläne im Team ankommen, musst Du die Brücke bilden und das Gespräch darüber suchen.</a:t>
             </a:r>
           </a:p>
           <a:p>
+            <a:pPr algn="just"/>
             <a:r>
               <a:rPr lang="de-DE" sz="1100" dirty="0"/>
               <a:t>Feedback einzuholen ist wie ein kleines Schatzkästchen von sich selbst zu öffnen. </a:t>
             </a:r>
           </a:p>
           <a:p>
+            <a:pPr algn="just"/>
             <a:r>
               <a:rPr lang="de-DE" sz="1100" dirty="0"/>
               <a:t>Sich den Gedanken und Meinungen anderer zu stellen, kann die eigene Perspektive sehr bereichern.</a:t>
             </a:r>
           </a:p>
           <a:p>
+            <a:pPr algn="just"/>
             <a:r>
               <a:rPr lang="de-DE" sz="1100" dirty="0"/>
               <a:t>Auch dem Team hilft es sich eine Meinung zu bilden, wenn es von Dir gefragt wird.</a:t>
             </a:r>
           </a:p>
           <a:p>
+            <a:pPr algn="just"/>
             <a:r>
               <a:rPr lang="de-DE" sz="1100" dirty="0"/>
               <a:t>Gemeinsam könnt Ihr herausfinden, was für Euch gute Tagespläne ausmachen, was Ihr toll findet oder nicht verstehen könnt.</a:t>
             </a:r>
           </a:p>
           <a:p>
-            <a:pPr marL="0" indent="0">
+            <a:pPr marL="0" indent="0" algn="just">
               <a:buNone/>
             </a:pPr>
             <a:endParaRPr lang="de-DE" dirty="0"/>
@@ -1690,25 +1695,28 @@
         <p:spPr/>
         <p:txBody>
           <a:bodyPr>
-            <a:normAutofit fontScale="92500"/>
+            <a:normAutofit/>
           </a:bodyPr>
           <a:lstStyle/>
           <a:p>
+            <a:pPr algn="just"/>
             <a:r>
               <a:rPr lang="de-DE" sz="1100" dirty="0"/>
-              <a:t>Mache in 2 Wochen 8 Tomatentagespläne (siehe TOM 10). Nimm dabei nicht die Tagespläne, die Du für andere Zertifizierungen angefertigt hast, sondern beginne wieder neu.</a:t>
-            </a:r>
-          </a:p>
-          <a:p>
+              <a:t>Mache in 2 Wochen 8 Tomatentagespläne (siehe TOM 10). </a:t>
+            </a:r>
+          </a:p>
+          <a:p>
+            <a:pPr algn="just"/>
             <a:r>
               <a:rPr lang="de-DE" sz="1100" dirty="0"/>
               <a:t>Lass Dir jeden Tagesplan von zwei Deiner Kollegen mit 1-5 Sternen bewerten. Die Sterne sollen ein Bauchgefühl wiederspiegeln, das Deine Kollegen mit dem Tagesplan verbinden.</a:t>
             </a:r>
           </a:p>
           <a:p>
+            <a:pPr algn="just"/>
             <a:r>
               <a:rPr lang="de-DE" sz="1100" dirty="0"/>
-              <a:t>Frag Deine Kollegen auch, was sie gut oder weniger gut finden und notiere zu jedem Tagesplan, was Deine Kollegen sagen oder lass sie es selbst dazuschreiben.</a:t>
+              <a:t>Frag Deine Kollegen auch, was sie gut oder weniger gut finden, und notiere zu jedem Tagesplan, was Deine Kollegen sagen oder lass sie es selbst dazuschreiben.</a:t>
             </a:r>
           </a:p>
           <a:p>
@@ -1771,7 +1779,7 @@
           </a:ln>
           <a:extLst>
             <a:ext uri="{C572A759-6A51-4108-AA02-DFA0A04FC94B}">
-              <ma14:wrappingTextBoxFlag xmlns="" xmlns:ma14="http://schemas.microsoft.com/office/mac/drawingml/2011/main" val="1"/>
+              <ma14:wrappingTextBoxFlag xmlns:ma14="http://schemas.microsoft.com/office/mac/drawingml/2011/main" xmlns="" val="1"/>
             </a:ext>
           </a:extLst>
         </p:spPr>
